--- a/lectures/12_Assessing_fit/old_work/Class_14_Model_fit.pptx
+++ b/lectures/12_Assessing_fit/old_work/Class_14_Model_fit.pptx
@@ -164,6 +164,60 @@
 <file path=ppt/changesInfos/changesInfo1.xml><?xml version="1.0" encoding="utf-8"?>
 <pc:chgInfo xmlns:a="http://schemas.openxmlformats.org/drawingml/2006/main" xmlns:r="http://schemas.openxmlformats.org/officeDocument/2006/relationships" xmlns:ac="http://schemas.microsoft.com/office/drawing/2013/main/command" xmlns:pc="http://schemas.microsoft.com/office/powerpoint/2013/main/command">
   <pc:docChgLst>
+    <pc:chgData name="Nicky Wakim" userId="63a62853-8dd4-431b-8872-ecc2181a70d8" providerId="ADAL" clId="{ABF84B6D-5453-DC46-A629-9D3C29C44BA2}"/>
+    <pc:docChg chg="undo custSel modSld">
+      <pc:chgData name="Nicky Wakim" userId="63a62853-8dd4-431b-8872-ecc2181a70d8" providerId="ADAL" clId="{ABF84B6D-5453-DC46-A629-9D3C29C44BA2}" dt="2024-05-13T17:42:54.789" v="10" actId="5736"/>
+      <pc:docMkLst>
+        <pc:docMk/>
+      </pc:docMkLst>
+      <pc:sldChg chg="modSp mod">
+        <pc:chgData name="Nicky Wakim" userId="63a62853-8dd4-431b-8872-ecc2181a70d8" providerId="ADAL" clId="{ABF84B6D-5453-DC46-A629-9D3C29C44BA2}" dt="2024-05-13T17:07:56.854" v="3" actId="15"/>
+        <pc:sldMkLst>
+          <pc:docMk/>
+          <pc:sldMk cId="3410745145" sldId="343"/>
+        </pc:sldMkLst>
+        <pc:spChg chg="mod">
+          <ac:chgData name="Nicky Wakim" userId="63a62853-8dd4-431b-8872-ecc2181a70d8" providerId="ADAL" clId="{ABF84B6D-5453-DC46-A629-9D3C29C44BA2}" dt="2024-05-13T17:07:56.854" v="3" actId="15"/>
+          <ac:spMkLst>
+            <pc:docMk/>
+            <pc:sldMk cId="3410745145" sldId="343"/>
+            <ac:spMk id="3" creationId="{00000000-0000-0000-0000-000000000000}"/>
+          </ac:spMkLst>
+        </pc:spChg>
+      </pc:sldChg>
+      <pc:sldChg chg="modSp mod">
+        <pc:chgData name="Nicky Wakim" userId="63a62853-8dd4-431b-8872-ecc2181a70d8" providerId="ADAL" clId="{ABF84B6D-5453-DC46-A629-9D3C29C44BA2}" dt="2024-05-13T17:34:02.896" v="9" actId="5736"/>
+        <pc:sldMkLst>
+          <pc:docMk/>
+          <pc:sldMk cId="4200406922" sldId="355"/>
+        </pc:sldMkLst>
+        <pc:graphicFrameChg chg="mod modGraphic">
+          <ac:chgData name="Nicky Wakim" userId="63a62853-8dd4-431b-8872-ecc2181a70d8" providerId="ADAL" clId="{ABF84B6D-5453-DC46-A629-9D3C29C44BA2}" dt="2024-05-13T17:34:02.896" v="9" actId="5736"/>
+          <ac:graphicFrameMkLst>
+            <pc:docMk/>
+            <pc:sldMk cId="4200406922" sldId="355"/>
+            <ac:graphicFrameMk id="8" creationId="{56523A55-62FD-22FC-B03C-0458A708E00F}"/>
+          </ac:graphicFrameMkLst>
+        </pc:graphicFrameChg>
+      </pc:sldChg>
+      <pc:sldChg chg="modSp">
+        <pc:chgData name="Nicky Wakim" userId="63a62853-8dd4-431b-8872-ecc2181a70d8" providerId="ADAL" clId="{ABF84B6D-5453-DC46-A629-9D3C29C44BA2}" dt="2024-05-13T17:42:54.789" v="10" actId="5736"/>
+        <pc:sldMkLst>
+          <pc:docMk/>
+          <pc:sldMk cId="379275996" sldId="356"/>
+        </pc:sldMkLst>
+        <pc:graphicFrameChg chg="mod">
+          <ac:chgData name="Nicky Wakim" userId="63a62853-8dd4-431b-8872-ecc2181a70d8" providerId="ADAL" clId="{ABF84B6D-5453-DC46-A629-9D3C29C44BA2}" dt="2024-05-13T17:42:54.789" v="10" actId="5736"/>
+          <ac:graphicFrameMkLst>
+            <pc:docMk/>
+            <pc:sldMk cId="379275996" sldId="356"/>
+            <ac:graphicFrameMk id="6" creationId="{C932E2B3-3350-ACEC-F978-E3616B8852BF}"/>
+          </ac:graphicFrameMkLst>
+        </pc:graphicFrameChg>
+      </pc:sldChg>
+    </pc:docChg>
+  </pc:docChgLst>
+  <pc:docChgLst>
     <pc:chgData name="Nicky Wakim" userId="63a62853-8dd4-431b-8872-ecc2181a70d8" providerId="ADAL" clId="{33A82C6C-ED43-FE40-BA11-BB9E62BF57A0}"/>
     <pc:docChg chg="undo custSel addSld delSld modSld sldOrd">
       <pc:chgData name="Nicky Wakim" userId="63a62853-8dd4-431b-8872-ecc2181a70d8" providerId="ADAL" clId="{33A82C6C-ED43-FE40-BA11-BB9E62BF57A0}" dt="2023-05-22T19:33:26.794" v="4595" actId="20577"/>
@@ -4815,7 +4869,7 @@
           <a:p>
             <a:fld id="{9199CFBA-4C7D-0A47-ADE8-843D8E846D28}" type="datetimeFigureOut">
               <a:rPr lang="en-US" smtClean="0"/>
-              <a:t>5/23/23</a:t>
+              <a:t>5/13/24</a:t>
             </a:fld>
             <a:endParaRPr lang="en-US"/>
           </a:p>
@@ -9378,8 +9432,8 @@
           </a:p>
         </p:txBody>
       </p:sp>
-      <mc:AlternateContent xmlns:mc="http://schemas.openxmlformats.org/markup-compatibility/2006">
-        <mc:Choice xmlns:a14="http://schemas.microsoft.com/office/drawing/2010/main" Requires="a14">
+      <mc:AlternateContent xmlns:mc="http://schemas.openxmlformats.org/markup-compatibility/2006" xmlns:a14="http://schemas.microsoft.com/office/drawing/2010/main">
+        <mc:Choice Requires="a14">
           <p:sp>
             <p:nvSpPr>
               <p:cNvPr id="3" name="Content Placeholder 2">
@@ -9695,7 +9749,7 @@
             </p:txBody>
           </p:sp>
         </mc:Choice>
-        <mc:Fallback>
+        <mc:Fallback xmlns="">
           <p:sp>
             <p:nvSpPr>
               <p:cNvPr id="3" name="Content Placeholder 2">
@@ -9960,8 +10014,8 @@
           </a:p>
         </p:txBody>
       </p:sp>
-      <mc:AlternateContent xmlns:mc="http://schemas.openxmlformats.org/markup-compatibility/2006">
-        <mc:Choice xmlns:a14="http://schemas.microsoft.com/office/drawing/2010/main" Requires="a14">
+      <mc:AlternateContent xmlns:mc="http://schemas.openxmlformats.org/markup-compatibility/2006" xmlns:a14="http://schemas.microsoft.com/office/drawing/2010/main">
+        <mc:Choice Requires="a14">
           <p:sp>
             <p:nvSpPr>
               <p:cNvPr id="3" name="Content Placeholder 2"/>
@@ -10538,17 +10592,7 @@
                         <a:latin typeface="Cambria Math" panose="02040503050406030204" pitchFamily="18" charset="0"/>
                         <a:ea typeface="Cambria Math" panose="02040503050406030204" pitchFamily="18" charset="0"/>
                       </a:rPr>
-                      <m:t>bin</m:t>
-                    </m:r>
-                    <m:r>
-                      <m:rPr>
-                        <m:sty m:val="p"/>
-                      </m:rPr>
-                      <a:rPr lang="en-US" b="0" i="0" dirty="0" smtClean="0">
-                        <a:latin typeface="Cambria Math" panose="02040503050406030204" pitchFamily="18" charset="0"/>
-                        <a:ea typeface="Cambria Math" panose="02040503050406030204" pitchFamily="18" charset="0"/>
-                      </a:rPr>
-                      <m:t>omial</m:t>
+                      <m:t>binomial</m:t>
                     </m:r>
                     <m:d>
                       <m:dPr>
@@ -10632,7 +10676,7 @@
             </p:txBody>
           </p:sp>
         </mc:Choice>
-        <mc:Fallback>
+        <mc:Fallback xmlns="">
           <p:sp>
             <p:nvSpPr>
               <p:cNvPr id="3" name="Content Placeholder 2"/>
@@ -11302,8 +11346,8 @@
           </a:p>
         </p:txBody>
       </p:sp>
-      <mc:AlternateContent xmlns:mc="http://schemas.openxmlformats.org/markup-compatibility/2006">
-        <mc:Choice xmlns:a14="http://schemas.microsoft.com/office/drawing/2010/main" Requires="a14">
+      <mc:AlternateContent xmlns:mc="http://schemas.openxmlformats.org/markup-compatibility/2006" xmlns:a14="http://schemas.microsoft.com/office/drawing/2010/main">
+        <mc:Choice Requires="a14">
           <p:sp>
             <p:nvSpPr>
               <p:cNvPr id="3" name="Content Placeholder 2"/>
@@ -11757,7 +11801,7 @@
             </p:txBody>
           </p:sp>
         </mc:Choice>
-        <mc:Fallback>
+        <mc:Fallback xmlns="">
           <p:sp>
             <p:nvSpPr>
               <p:cNvPr id="3" name="Content Placeholder 2"/>
@@ -12037,8 +12081,8 @@
           </a:p>
         </p:txBody>
       </p:sp>
-      <mc:AlternateContent xmlns:mc="http://schemas.openxmlformats.org/markup-compatibility/2006">
-        <mc:Choice xmlns:a14="http://schemas.microsoft.com/office/drawing/2010/main" Requires="a14">
+      <mc:AlternateContent xmlns:mc="http://schemas.openxmlformats.org/markup-compatibility/2006" xmlns:a14="http://schemas.microsoft.com/office/drawing/2010/main">
+        <mc:Choice Requires="a14">
           <p:sp>
             <p:nvSpPr>
               <p:cNvPr id="3" name="Content Placeholder 2"/>
@@ -12540,7 +12584,7 @@
                                   <m:chr m:val="̂"/>
                                   <m:ctrlPr>
                                     <a:rPr lang="en-US" b="0" i="1" smtClean="0">
-                                      <a:latin typeface="Cambria Math"/>
+                                      <a:latin typeface="Cambria Math" panose="02040503050406030204" pitchFamily="18" charset="0"/>
                                     </a:rPr>
                                   </m:ctrlPr>
                                 </m:accPr>
@@ -12879,7 +12923,7 @@
             </p:txBody>
           </p:sp>
         </mc:Choice>
-        <mc:Fallback>
+        <mc:Fallback xmlns="">
           <p:sp>
             <p:nvSpPr>
               <p:cNvPr id="3" name="Content Placeholder 2"/>
@@ -13045,8 +13089,8 @@
           </a:p>
         </p:txBody>
       </p:sp>
-      <mc:AlternateContent xmlns:mc="http://schemas.openxmlformats.org/markup-compatibility/2006">
-        <mc:Choice xmlns:a14="http://schemas.microsoft.com/office/drawing/2010/main" Requires="a14">
+      <mc:AlternateContent xmlns:mc="http://schemas.openxmlformats.org/markup-compatibility/2006" xmlns:a14="http://schemas.microsoft.com/office/drawing/2010/main">
+        <mc:Choice Requires="a14">
           <p:sp>
             <p:nvSpPr>
               <p:cNvPr id="3" name="Content Placeholder 2"/>
@@ -13175,7 +13219,7 @@
             </p:txBody>
           </p:sp>
         </mc:Choice>
-        <mc:Fallback>
+        <mc:Fallback xmlns="">
           <p:sp>
             <p:nvSpPr>
               <p:cNvPr id="3" name="Content Placeholder 2"/>
@@ -14388,8 +14432,8 @@
           </a:p>
         </p:txBody>
       </p:sp>
-      <mc:AlternateContent xmlns:mc="http://schemas.openxmlformats.org/markup-compatibility/2006">
-        <mc:Choice xmlns:a14="http://schemas.microsoft.com/office/drawing/2010/main" Requires="a14">
+      <mc:AlternateContent xmlns:mc="http://schemas.openxmlformats.org/markup-compatibility/2006" xmlns:a14="http://schemas.microsoft.com/office/drawing/2010/main">
+        <mc:Choice Requires="a14">
           <p:sp>
             <p:nvSpPr>
               <p:cNvPr id="3" name="Content Placeholder 2"/>
@@ -14703,7 +14747,7 @@
             </p:txBody>
           </p:sp>
         </mc:Choice>
-        <mc:Fallback>
+        <mc:Fallback xmlns="">
           <p:sp>
             <p:nvSpPr>
               <p:cNvPr id="3" name="Content Placeholder 2"/>
@@ -15128,8 +15172,8 @@
           </a:p>
         </p:txBody>
       </p:sp>
-      <mc:AlternateContent xmlns:mc="http://schemas.openxmlformats.org/markup-compatibility/2006">
-        <mc:Choice xmlns:a14="http://schemas.microsoft.com/office/drawing/2010/main" Requires="a14">
+      <mc:AlternateContent xmlns:mc="http://schemas.openxmlformats.org/markup-compatibility/2006" xmlns:a14="http://schemas.microsoft.com/office/drawing/2010/main">
+        <mc:Choice Requires="a14">
           <p:sp>
             <p:nvSpPr>
               <p:cNvPr id="3" name="Content Placeholder 2">
@@ -15445,7 +15489,7 @@
             </p:txBody>
           </p:sp>
         </mc:Choice>
-        <mc:Fallback>
+        <mc:Fallback xmlns="">
           <p:sp>
             <p:nvSpPr>
               <p:cNvPr id="3" name="Content Placeholder 2">
@@ -15762,8 +15806,8 @@
           </a:p>
         </p:txBody>
       </p:sp>
-      <mc:AlternateContent xmlns:mc="http://schemas.openxmlformats.org/markup-compatibility/2006">
-        <mc:Choice xmlns:a14="http://schemas.microsoft.com/office/drawing/2010/main" Requires="a14">
+      <mc:AlternateContent xmlns:mc="http://schemas.openxmlformats.org/markup-compatibility/2006" xmlns:a14="http://schemas.microsoft.com/office/drawing/2010/main">
+        <mc:Choice Requires="a14">
           <p:sp>
             <p:nvSpPr>
               <p:cNvPr id="3" name="Content Placeholder 2"/>
@@ -15926,7 +15970,7 @@
             </p:txBody>
           </p:sp>
         </mc:Choice>
-        <mc:Fallback>
+        <mc:Fallback xmlns="">
           <p:sp>
             <p:nvSpPr>
               <p:cNvPr id="3" name="Content Placeholder 2"/>
@@ -16303,8 +16347,8 @@
           </a:p>
         </p:txBody>
       </p:sp>
-      <mc:AlternateContent xmlns:mc="http://schemas.openxmlformats.org/markup-compatibility/2006">
-        <mc:Choice xmlns:a14="http://schemas.microsoft.com/office/drawing/2010/main" Requires="a14">
+      <mc:AlternateContent xmlns:mc="http://schemas.openxmlformats.org/markup-compatibility/2006" xmlns:a14="http://schemas.microsoft.com/office/drawing/2010/main">
+        <mc:Choice Requires="a14">
           <p:sp>
             <p:nvSpPr>
               <p:cNvPr id="3" name="Content Placeholder 2"/>
@@ -16592,7 +16636,7 @@
             </p:txBody>
           </p:sp>
         </mc:Choice>
-        <mc:Fallback>
+        <mc:Fallback xmlns="">
           <p:sp>
             <p:nvSpPr>
               <p:cNvPr id="3" name="Content Placeholder 2"/>
@@ -17806,8 +17850,8 @@
           </a:p>
         </p:txBody>
       </p:sp>
-      <mc:AlternateContent xmlns:mc="http://schemas.openxmlformats.org/markup-compatibility/2006">
-        <mc:Choice xmlns:a14="http://schemas.microsoft.com/office/drawing/2010/main" Requires="a14">
+      <mc:AlternateContent xmlns:mc="http://schemas.openxmlformats.org/markup-compatibility/2006" xmlns:a14="http://schemas.microsoft.com/office/drawing/2010/main">
+        <mc:Choice Requires="a14">
           <p:sp>
             <p:nvSpPr>
               <p:cNvPr id="3" name="Content Placeholder 2"/>
@@ -18323,7 +18367,7 @@
             </p:txBody>
           </p:sp>
         </mc:Choice>
-        <mc:Fallback>
+        <mc:Fallback xmlns="">
           <p:sp>
             <p:nvSpPr>
               <p:cNvPr id="3" name="Content Placeholder 2"/>
@@ -19556,8 +19600,8 @@
           </a:p>
         </p:txBody>
       </p:sp>
-      <mc:AlternateContent xmlns:mc="http://schemas.openxmlformats.org/markup-compatibility/2006">
-        <mc:Choice xmlns:a14="http://schemas.microsoft.com/office/drawing/2010/main" Requires="a14">
+      <mc:AlternateContent xmlns:mc="http://schemas.openxmlformats.org/markup-compatibility/2006" xmlns:a14="http://schemas.microsoft.com/office/drawing/2010/main">
+        <mc:Choice Requires="a14">
           <p:sp>
             <p:nvSpPr>
               <p:cNvPr id="3" name="Content Placeholder 2">
@@ -19873,7 +19917,7 @@
             </p:txBody>
           </p:sp>
         </mc:Choice>
-        <mc:Fallback>
+        <mc:Fallback xmlns="">
           <p:sp>
             <p:nvSpPr>
               <p:cNvPr id="3" name="Content Placeholder 2">
@@ -20457,8 +20501,8 @@
           </a:p>
         </p:txBody>
       </p:sp>
-      <mc:AlternateContent xmlns:mc="http://schemas.openxmlformats.org/markup-compatibility/2006">
-        <mc:Choice xmlns:a14="http://schemas.microsoft.com/office/drawing/2010/main" Requires="a14">
+      <mc:AlternateContent xmlns:mc="http://schemas.openxmlformats.org/markup-compatibility/2006" xmlns:a14="http://schemas.microsoft.com/office/drawing/2010/main">
+        <mc:Choice Requires="a14">
           <p:sp>
             <p:nvSpPr>
               <p:cNvPr id="3" name="Content Placeholder 2"/>
@@ -20863,13 +20907,7 @@
                       <a:rPr lang="en-US" i="1" dirty="0" smtClean="0">
                         <a:latin typeface="Cambria Math" panose="02040503050406030204" pitchFamily="18" charset="0"/>
                       </a:rPr>
-                      <m:t>=10, 00</m:t>
-                    </m:r>
-                    <m:r>
-                      <a:rPr lang="en-US" i="1" dirty="0">
-                        <a:latin typeface="Cambria Math" panose="02040503050406030204" pitchFamily="18" charset="0"/>
-                      </a:rPr>
-                      <m:t>0 </m:t>
+                      <m:t>=10, 000 </m:t>
                     </m:r>
                   </m:oMath>
                 </a14:m>
@@ -20977,7 +21015,7 @@
             </p:txBody>
           </p:sp>
         </mc:Choice>
-        <mc:Fallback>
+        <mc:Fallback xmlns="">
           <p:sp>
             <p:nvSpPr>
               <p:cNvPr id="3" name="Content Placeholder 2"/>
@@ -21322,8 +21360,8 @@
           </a:p>
         </p:txBody>
       </p:sp>
-      <mc:AlternateContent xmlns:mc="http://schemas.openxmlformats.org/markup-compatibility/2006">
-        <mc:Choice xmlns:a14="http://schemas.microsoft.com/office/drawing/2010/main" Requires="a14">
+      <mc:AlternateContent xmlns:mc="http://schemas.openxmlformats.org/markup-compatibility/2006" xmlns:a14="http://schemas.microsoft.com/office/drawing/2010/main">
+        <mc:Choice Requires="a14">
           <p:sp>
             <p:nvSpPr>
               <p:cNvPr id="3" name="Content Placeholder 2">
@@ -21639,7 +21677,7 @@
             </p:txBody>
           </p:sp>
         </mc:Choice>
-        <mc:Fallback>
+        <mc:Fallback xmlns="">
           <p:sp>
             <p:nvSpPr>
               <p:cNvPr id="3" name="Content Placeholder 2">
@@ -21948,8 +21986,8 @@
           </a:p>
         </p:txBody>
       </p:sp>
-      <mc:AlternateContent xmlns:mc="http://schemas.openxmlformats.org/markup-compatibility/2006">
-        <mc:Choice xmlns:a14="http://schemas.microsoft.com/office/drawing/2010/main" Requires="a14">
+      <mc:AlternateContent xmlns:mc="http://schemas.openxmlformats.org/markup-compatibility/2006" xmlns:a14="http://schemas.microsoft.com/office/drawing/2010/main">
+        <mc:Choice Requires="a14">
           <p:sp>
             <p:nvSpPr>
               <p:cNvPr id="3" name="Content Placeholder 2"/>
@@ -22138,13 +22176,7 @@
                           <a:rPr lang="en-US" b="0" i="1" smtClean="0">
                             <a:latin typeface="Cambria Math" panose="02040503050406030204" pitchFamily="18" charset="0"/>
                           </a:rPr>
-                          <m:t>𝐹</m:t>
-                        </m:r>
-                        <m:r>
-                          <a:rPr lang="en-US" b="0" i="1" smtClean="0">
-                            <a:latin typeface="Cambria Math" panose="02040503050406030204" pitchFamily="18" charset="0"/>
-                          </a:rPr>
-                          <m:t>𝑃</m:t>
+                          <m:t>𝐹𝑃</m:t>
                         </m:r>
                       </m:num>
                       <m:den>
@@ -22152,13 +22184,7 @@
                           <a:rPr lang="en-US" b="0" i="1" smtClean="0">
                             <a:latin typeface="Cambria Math" panose="02040503050406030204" pitchFamily="18" charset="0"/>
                           </a:rPr>
-                          <m:t>𝐹</m:t>
-                        </m:r>
-                        <m:r>
-                          <a:rPr lang="en-US" b="0" i="1" smtClean="0">
-                            <a:latin typeface="Cambria Math" panose="02040503050406030204" pitchFamily="18" charset="0"/>
-                          </a:rPr>
-                          <m:t>𝑃</m:t>
+                          <m:t>𝐹𝑃</m:t>
                         </m:r>
                         <m:r>
                           <a:rPr lang="en-US" b="0" i="1" smtClean="0">
@@ -22170,13 +22196,7 @@
                           <a:rPr lang="en-US" b="0" i="1" smtClean="0">
                             <a:latin typeface="Cambria Math" panose="02040503050406030204" pitchFamily="18" charset="0"/>
                           </a:rPr>
-                          <m:t>𝑇</m:t>
-                        </m:r>
-                        <m:r>
-                          <a:rPr lang="en-US" b="0" i="1" smtClean="0">
-                            <a:latin typeface="Cambria Math" panose="02040503050406030204" pitchFamily="18" charset="0"/>
-                          </a:rPr>
-                          <m:t>𝑁</m:t>
+                          <m:t>𝑇𝑁</m:t>
                         </m:r>
                       </m:den>
                     </m:f>
@@ -22214,7 +22234,7 @@
             </p:txBody>
           </p:sp>
         </mc:Choice>
-        <mc:Fallback>
+        <mc:Fallback xmlns="">
           <p:sp>
             <p:nvSpPr>
               <p:cNvPr id="3" name="Content Placeholder 2"/>
@@ -22337,14 +22357,14 @@
           <p:nvPr>
             <p:extLst>
               <p:ext uri="{D42A27DB-BD31-4B8C-83A1-F6EECF244321}">
-                <p14:modId xmlns:p14="http://schemas.microsoft.com/office/powerpoint/2010/main" val="1148792119"/>
+                <p14:modId xmlns:p14="http://schemas.microsoft.com/office/powerpoint/2010/main" val="3321584346"/>
               </p:ext>
             </p:extLst>
           </p:nvPr>
         </p:nvGraphicFramePr>
         <p:xfrm>
           <a:off x="5803182" y="1955956"/>
-          <a:ext cx="5650782" cy="1890620"/>
+          <a:ext cx="6236417" cy="2095781"/>
         </p:xfrm>
         <a:graphic>
           <a:graphicData uri="http://schemas.openxmlformats.org/drawingml/2006/table">
@@ -22353,28 +22373,28 @@
                 <a:tableStyleId>{5C22544A-7EE6-4342-B048-85BDC9FD1C3A}</a:tableStyleId>
               </a:tblPr>
               <a:tblGrid>
-                <a:gridCol w="2107498">
+                <a:gridCol w="2325915">
                   <a:extLst>
                     <a:ext uri="{9D8B030D-6E8A-4147-A177-3AD203B41FA5}">
                       <a16:colId xmlns:a16="http://schemas.microsoft.com/office/drawing/2014/main" val="1850659038"/>
                     </a:ext>
                   </a:extLst>
                 </a:gridCol>
-                <a:gridCol w="611074">
+                <a:gridCol w="674404">
                   <a:extLst>
                     <a:ext uri="{9D8B030D-6E8A-4147-A177-3AD203B41FA5}">
                       <a16:colId xmlns:a16="http://schemas.microsoft.com/office/drawing/2014/main" val="3290610404"/>
                     </a:ext>
                   </a:extLst>
                 </a:gridCol>
-                <a:gridCol w="1466105">
+                <a:gridCol w="1618049">
                   <a:extLst>
                     <a:ext uri="{9D8B030D-6E8A-4147-A177-3AD203B41FA5}">
                       <a16:colId xmlns:a16="http://schemas.microsoft.com/office/drawing/2014/main" val="1118031519"/>
                     </a:ext>
                   </a:extLst>
                 </a:gridCol>
-                <a:gridCol w="1466105">
+                <a:gridCol w="1618049">
                   <a:extLst>
                     <a:ext uri="{9D8B030D-6E8A-4147-A177-3AD203B41FA5}">
                       <a16:colId xmlns:a16="http://schemas.microsoft.com/office/drawing/2014/main" val="3148808244"/>
@@ -22382,7 +22402,7 @@
                   </a:extLst>
                 </a:gridCol>
               </a:tblGrid>
-              <a:tr h="467944">
+              <a:tr h="518723">
                 <a:tc>
                   <a:txBody>
                     <a:bodyPr/>
@@ -22439,7 +22459,7 @@
                   </a:ext>
                 </a:extLst>
               </a:tr>
-              <a:tr h="467944">
+              <a:tr h="518723">
                 <a:tc>
                   <a:txBody>
                     <a:bodyPr/>
@@ -22504,7 +22524,7 @@
                   </a:ext>
                 </a:extLst>
               </a:tr>
-              <a:tr h="467944">
+              <a:tr h="518723">
                 <a:tc rowSpan="2">
                   <a:txBody>
                     <a:bodyPr/>
@@ -22575,7 +22595,7 @@
                   </a:ext>
                 </a:extLst>
               </a:tr>
-              <a:tr h="486788">
+              <a:tr h="539612">
                 <a:tc vMerge="1">
                   <a:txBody>
                     <a:bodyPr/>
@@ -23263,7 +23283,7 @@
           <p:nvPr>
             <p:extLst>
               <p:ext uri="{D42A27DB-BD31-4B8C-83A1-F6EECF244321}">
-                <p14:modId xmlns:p14="http://schemas.microsoft.com/office/powerpoint/2010/main" val="325162669"/>
+                <p14:modId xmlns:p14="http://schemas.microsoft.com/office/powerpoint/2010/main" val="973883033"/>
               </p:ext>
             </p:extLst>
           </p:nvPr>
@@ -24277,8 +24297,8 @@
           </a:p>
         </p:txBody>
       </p:sp>
-      <mc:AlternateContent xmlns:mc="http://schemas.openxmlformats.org/markup-compatibility/2006">
-        <mc:Choice xmlns:a14="http://schemas.microsoft.com/office/drawing/2010/main" Requires="a14">
+      <mc:AlternateContent xmlns:mc="http://schemas.openxmlformats.org/markup-compatibility/2006" xmlns:a14="http://schemas.microsoft.com/office/drawing/2010/main">
+        <mc:Choice Requires="a14">
           <p:sp>
             <p:nvSpPr>
               <p:cNvPr id="3" name="Content Placeholder 2">
@@ -24594,7 +24614,7 @@
             </p:txBody>
           </p:sp>
         </mc:Choice>
-        <mc:Fallback>
+        <mc:Fallback xmlns="">
           <p:sp>
             <p:nvSpPr>
               <p:cNvPr id="3" name="Content Placeholder 2">
@@ -25226,8 +25246,8 @@
           </a:p>
         </p:txBody>
       </p:sp>
-      <mc:AlternateContent xmlns:mc="http://schemas.openxmlformats.org/markup-compatibility/2006">
-        <mc:Choice xmlns:a14="http://schemas.microsoft.com/office/drawing/2010/main" Requires="a14">
+      <mc:AlternateContent xmlns:mc="http://schemas.openxmlformats.org/markup-compatibility/2006" xmlns:a14="http://schemas.microsoft.com/office/drawing/2010/main">
+        <mc:Choice Requires="a14">
           <p:sp>
             <p:nvSpPr>
               <p:cNvPr id="3" name="Content Placeholder 2"/>
@@ -25453,7 +25473,7 @@
             </p:txBody>
           </p:sp>
         </mc:Choice>
-        <mc:Fallback>
+        <mc:Fallback xmlns="">
           <p:sp>
             <p:nvSpPr>
               <p:cNvPr id="3" name="Content Placeholder 2"/>
@@ -25892,8 +25912,8 @@
           </a:p>
         </p:txBody>
       </p:sp>
-      <mc:AlternateContent xmlns:mc="http://schemas.openxmlformats.org/markup-compatibility/2006">
-        <mc:Choice xmlns:a14="http://schemas.microsoft.com/office/drawing/2010/main" Requires="a14">
+      <mc:AlternateContent xmlns:mc="http://schemas.openxmlformats.org/markup-compatibility/2006" xmlns:a14="http://schemas.microsoft.com/office/drawing/2010/main">
+        <mc:Choice Requires="a14">
           <p:sp>
             <p:nvSpPr>
               <p:cNvPr id="3" name="Content Placeholder 2">
@@ -26209,7 +26229,7 @@
             </p:txBody>
           </p:sp>
         </mc:Choice>
-        <mc:Fallback>
+        <mc:Fallback xmlns="">
           <p:sp>
             <p:nvSpPr>
               <p:cNvPr id="3" name="Content Placeholder 2">
@@ -28012,7 +28032,7 @@
 <file path=ppt/theme/theme1.xml><?xml version="1.0" encoding="utf-8"?>
 <a:theme xmlns:a="http://schemas.openxmlformats.org/drawingml/2006/main" name="BSTA513-613_slides">
   <a:themeElements>
-    <a:clrScheme name="OHSU-PSU 1">
+    <a:clrScheme name="Custom 4">
       <a:dk1>
         <a:srgbClr val="000000"/>
       </a:dk1>
@@ -28020,31 +28040,31 @@
         <a:srgbClr val="FFFFFF"/>
       </a:lt1>
       <a:dk2>
-        <a:srgbClr val="004832"/>
+        <a:srgbClr val="C2342F"/>
       </a:dk2>
       <a:lt2>
         <a:srgbClr val="E7E6E6"/>
       </a:lt2>
       <a:accent1>
-        <a:srgbClr val="193D78"/>
+        <a:srgbClr val="4472C4"/>
       </a:accent1>
       <a:accent2>
-        <a:srgbClr val="004832"/>
+        <a:srgbClr val="ED7D31"/>
       </a:accent2>
       <a:accent3>
-        <a:srgbClr val="A5A5A5"/>
+        <a:srgbClr val="D6285E"/>
       </a:accent3>
       <a:accent4>
-        <a:srgbClr val="F7CB25"/>
+        <a:srgbClr val="F6C341"/>
       </a:accent4>
       <a:accent5>
-        <a:srgbClr val="49A3D1"/>
+        <a:srgbClr val="5B9BD5"/>
       </a:accent5>
       <a:accent6>
-        <a:srgbClr val="4EA627"/>
+        <a:srgbClr val="70AD47"/>
       </a:accent6>
       <a:hlink>
-        <a:srgbClr val="F18032"/>
+        <a:srgbClr val="0563C1"/>
       </a:hlink>
       <a:folHlink>
         <a:srgbClr val="954F72"/>
